--- a/Presentation_panuvat.pptx
+++ b/Presentation_panuvat.pptx
@@ -7283,7 +7283,11 @@
         <a:prstGeom prst="rect">
           <a:avLst/>
         </a:prstGeom>
-        <a:noFill/>
+        <a:solidFill>
+          <a:srgbClr val="414FF4">
+            <a:alpha val="50000"/>
+          </a:srgbClr>
+        </a:solidFill>
         <a:ln>
           <a:noFill/>
         </a:ln>
@@ -7391,7 +7395,11 @@
         <a:prstGeom prst="rect">
           <a:avLst/>
         </a:prstGeom>
-        <a:noFill/>
+        <a:solidFill>
+          <a:srgbClr val="FF0280">
+            <a:alpha val="50000"/>
+          </a:srgbClr>
+        </a:solidFill>
         <a:ln>
           <a:noFill/>
         </a:ln>
@@ -24344,7 +24352,12 @@
             <p:ph sz="half" idx="1"/>
           </p:nvPr>
         </p:nvSpPr>
-        <p:spPr/>
+        <p:spPr>
+          <a:xfrm>
+            <a:off x="749423" y="1870013"/>
+            <a:ext cx="10693894" cy="4351338"/>
+          </a:xfrm>
+        </p:spPr>
         <p:txBody>
           <a:bodyPr/>
           <a:lstStyle/>
@@ -24355,38 +24368,25 @@
             </a:r>
           </a:p>
           <a:p>
+            <a:endParaRPr lang="en-US" dirty="0"/>
+          </a:p>
+          <a:p>
+            <a:pPr marL="0" indent="0">
+              <a:buNone/>
+            </a:pPr>
+            <a:r>
+              <a:rPr lang="en-US" dirty="0">
+                <a:hlinkClick r:id="rId2" action="ppaction://hlinkpres?slideindex=1&amp;slidetitle="/>
+              </a:rPr>
+              <a:t>https://github.com/Panuvat-Dan/Machine_learning_study</a:t>
+            </a:r>
+            <a:endParaRPr lang="en-US" dirty="0"/>
+          </a:p>
+          <a:p>
             <a:pPr marL="0" indent="0">
               <a:buNone/>
             </a:pPr>
             <a:endParaRPr lang="en-US" dirty="0"/>
-          </a:p>
-        </p:txBody>
-      </p:sp>
-      <p:sp>
-        <p:nvSpPr>
-          <p:cNvPr id="4" name="Content Placeholder 3">
-            <a:extLst>
-              <a:ext uri="{FF2B5EF4-FFF2-40B4-BE49-F238E27FC236}">
-                <a16:creationId xmlns:a16="http://schemas.microsoft.com/office/drawing/2014/main" id="{AEFDC942-2848-4953-996F-84CE22B3EC18}"/>
-              </a:ext>
-            </a:extLst>
-          </p:cNvPr>
-          <p:cNvSpPr>
-            <a:spLocks noGrp="1"/>
-          </p:cNvSpPr>
-          <p:nvPr>
-            <p:ph sz="half" idx="2"/>
-          </p:nvPr>
-        </p:nvSpPr>
-        <p:spPr/>
-        <p:txBody>
-          <a:bodyPr/>
-          <a:lstStyle/>
-          <a:p>
-            <a:r>
-              <a:rPr lang="en-US" dirty="0"/>
-              <a:t>Visit me more on </a:t>
-            </a:r>
           </a:p>
         </p:txBody>
       </p:sp>
